--- a/DATA ACQUISITION AND WRANGLING PPT.pptx
+++ b/DATA ACQUISITION AND WRANGLING PPT.pptx
@@ -4604,13 +4604,13 @@
   <p:clrMapOvr>
     <a:masterClrMapping/>
   </p:clrMapOvr>
-  <mc:AlternateContent xmlns:mc="http://schemas.openxmlformats.org/markup-compatibility/2006">
-    <mc:Choice xmlns:p159="http://schemas.microsoft.com/office/powerpoint/2015/09/main" Requires="p159">
+  <mc:AlternateContent xmlns:mc="http://schemas.openxmlformats.org/markup-compatibility/2006" xmlns:p159="http://schemas.microsoft.com/office/powerpoint/2015/09/main">
+    <mc:Choice Requires="p159">
       <p:transition xmlns:p14="http://schemas.microsoft.com/office/powerpoint/2010/main" spd="slow" p14:dur="2000">
         <p159:morph option="byObject"/>
       </p:transition>
     </mc:Choice>
-    <mc:Fallback>
+    <mc:Fallback xmlns="">
       <p:transition spd="slow">
         <p:fade/>
       </p:transition>
@@ -5421,13 +5421,13 @@
   <p:clrMapOvr>
     <a:masterClrMapping/>
   </p:clrMapOvr>
-  <mc:AlternateContent xmlns:mc="http://schemas.openxmlformats.org/markup-compatibility/2006">
-    <mc:Choice xmlns:p14="http://schemas.microsoft.com/office/powerpoint/2010/main" Requires="p14">
+  <mc:AlternateContent xmlns:mc="http://schemas.openxmlformats.org/markup-compatibility/2006" xmlns:p14="http://schemas.microsoft.com/office/powerpoint/2010/main">
+    <mc:Choice Requires="p14">
       <p:transition spd="med" p14:dur="700">
         <p:fade/>
       </p:transition>
     </mc:Choice>
-    <mc:Fallback>
+    <mc:Fallback xmlns="">
       <p:transition spd="med">
         <p:fade/>
       </p:transition>
@@ -5471,15 +5471,26 @@
         </p:nvSpPr>
         <p:spPr>
           <a:xfrm>
-            <a:off x="0" y="145912"/>
-            <a:ext cx="12191999" cy="5863001"/>
+            <a:off x="0" y="5824247"/>
+            <a:ext cx="12191999" cy="184666"/>
           </a:xfrm>
         </p:spPr>
         <p:txBody>
           <a:bodyPr/>
           <a:lstStyle/>
           <a:p>
-            <a:endParaRPr lang="en-US" sz="3600" dirty="0"/>
+            <a:r>
+              <a:rPr lang="en-US" sz="1200" dirty="0"/>
+              <a:t>											NAME:  S. </a:t>
+            </a:r>
+            <a:r>
+              <a:rPr lang="en-US" sz="1200" dirty="0" err="1"/>
+              <a:t>Sujana</a:t>
+            </a:r>
+            <a:r>
+              <a:rPr lang="en-US" sz="1200" dirty="0"/>
+              <a:t> Kumari</a:t>
+            </a:r>
           </a:p>
         </p:txBody>
       </p:sp>
@@ -5564,15 +5575,10 @@
                             </p:stCondLst>
                             <p:childTnLst>
                               <p:par>
-                                <p:cTn id="5" presetID="1" presetClass="entr" presetSubtype="0" fill="hold" grpId="0" nodeType="clickEffect" nodePh="1">
+                                <p:cTn id="5" presetID="1" presetClass="entr" presetSubtype="0" fill="hold" grpId="0" nodeType="clickEffect">
                                   <p:stCondLst>
                                     <p:cond delay="0"/>
                                   </p:stCondLst>
-                                  <p:endCondLst>
-                                    <p:cond evt="begin" delay="0">
-                                      <p:tn val="5"/>
-                                    </p:cond>
-                                  </p:endCondLst>
                                   <p:childTnLst>
                                     <p:set>
                                       <p:cBhvr>
@@ -6389,7 +6395,7 @@
                 <a:latin typeface="Times New Roman" panose="02020603050405020304" pitchFamily="18" charset="0"/>
                 <a:ea typeface="Arial" panose="020B0604020202020204" pitchFamily="34" charset="0"/>
               </a:rPr>
-              <a:t>TECHNICAL SKILLS INVOLVED:  Data Acquisition and Data Wrangling.</a:t>
+              <a:t>TECHNICAL SKILLS INVOLVED:  Data Acquisition and Data Wrangling of the dataset_1, dataset_2 and dataset_3.  Merging of the dataset_1 and dataset_2 and working on central tendency.  Concatenating the merged dataset 1 and 2 with dataset_3</a:t>
             </a:r>
           </a:p>
           <a:p>
@@ -6698,7 +6704,7 @@
                 <a:latin typeface="Times New Roman" panose="02020603050405020304" pitchFamily="18" charset="0"/>
                 <a:ea typeface="Arial" panose="020B0604020202020204" pitchFamily="34" charset="0"/>
               </a:rPr>
-              <a:t>Reshaping data;  In this process, data is manipulated according to the requirements, where new data can be added or pre-existing data can be modified.</a:t>
+              <a:t>Reshaping data:  In this process, data is manipulated according to the requirements, where new data can be added or pre-existing data can be modified.</a:t>
             </a:r>
           </a:p>
           <a:p>
@@ -8442,15 +8448,6 @@
 </file>
 
 <file path=customXml/item1.xml><?xml version="1.0" encoding="utf-8"?>
-<?mso-contentType ?>
-<FormTemplates xmlns="http://schemas.microsoft.com/sharepoint/v3/contenttype/forms">
-  <Display>DocumentLibraryForm</Display>
-  <Edit>DocumentLibraryForm</Edit>
-  <New>DocumentLibraryForm</New>
-</FormTemplates>
-</file>
-
-<file path=customXml/item2.xml><?xml version="1.0" encoding="utf-8"?>
 <ct:contentTypeSchema xmlns:ct="http://schemas.microsoft.com/office/2006/metadata/contentType" xmlns:ma="http://schemas.microsoft.com/office/2006/metadata/properties/metaAttributes" ct:_="" ma:_="" ma:contentTypeName="Document" ma:contentTypeID="0x01010079F111ED35F8CC479449609E8A0923A6" ma:contentTypeVersion="24" ma:contentTypeDescription="Create a new document." ma:contentTypeScope="" ma:versionID="2d714a3296df14eba7a100bb665443ca">
   <xsd:schema xmlns:xsd="http://www.w3.org/2001/XMLSchema" xmlns:xs="http://www.w3.org/2001/XMLSchema" xmlns:p="http://schemas.microsoft.com/office/2006/metadata/properties" xmlns:ns1="http://schemas.microsoft.com/sharepoint/v3" xmlns:ns2="71af3243-3dd4-4a8d-8c0d-dd76da1f02a5" xmlns:ns3="16c05727-aa75-4e4a-9b5f-8a80a1165891" xmlns:ns4="230e9df3-be65-4c73-a93b-d1236ebd677e" targetNamespace="http://schemas.microsoft.com/office/2006/metadata/properties" ma:root="true" ma:fieldsID="49549bf45bfbbfb6cffed527380e77e1" ns1:_="" ns2:_="" ns3:_="" ns4:_="">
     <xsd:import namespace="http://schemas.microsoft.com/sharepoint/v3"/>
@@ -8738,6 +8735,15 @@
 </ct:contentTypeSchema>
 </file>
 
+<file path=customXml/item2.xml><?xml version="1.0" encoding="utf-8"?>
+<?mso-contentType ?>
+<FormTemplates xmlns="http://schemas.microsoft.com/sharepoint/v3/contenttype/forms">
+  <Display>DocumentLibraryForm</Display>
+  <Edit>DocumentLibraryForm</Edit>
+  <New>DocumentLibraryForm</New>
+</FormTemplates>
+</file>
+
 <file path=customXml/item3.xml><?xml version="1.0" encoding="utf-8"?>
 <p:properties xmlns:p="http://schemas.microsoft.com/office/2006/metadata/properties" xmlns:xsi="http://www.w3.org/2001/XMLSchema-instance" xmlns:pc="http://schemas.microsoft.com/office/infopath/2007/PartnerControls">
   <documentManagement>
@@ -8759,14 +8765,6 @@
 </file>
 
 <file path=customXml/itemProps1.xml><?xml version="1.0" encoding="utf-8"?>
-<ds:datastoreItem xmlns:ds="http://schemas.openxmlformats.org/officeDocument/2006/customXml" ds:itemID="{6A6AD0CE-C3A1-49ED-84DB-B51D7D3B27B3}">
-  <ds:schemaRefs>
-    <ds:schemaRef ds:uri="http://schemas.microsoft.com/sharepoint/v3/contenttype/forms"/>
-  </ds:schemaRefs>
-</ds:datastoreItem>
-</file>
-
-<file path=customXml/itemProps2.xml><?xml version="1.0" encoding="utf-8"?>
 <ds:datastoreItem xmlns:ds="http://schemas.openxmlformats.org/officeDocument/2006/customXml" ds:itemID="{3D32A503-7E2B-48A7-A1A4-FEB996769C51}">
   <ds:schemaRefs>
     <ds:schemaRef ds:uri="http://schemas.microsoft.com/office/2006/metadata/contentType"/>
@@ -8783,6 +8781,14 @@
     <ds:schemaRef ds:uri="http://purl.org/dc/elements/1.1/"/>
     <ds:schemaRef ds:uri="http://purl.org/dc/terms/"/>
     <ds:schemaRef ds:uri="http://schemas.microsoft.com/internal/obd"/>
+  </ds:schemaRefs>
+</ds:datastoreItem>
+</file>
+
+<file path=customXml/itemProps2.xml><?xml version="1.0" encoding="utf-8"?>
+<ds:datastoreItem xmlns:ds="http://schemas.openxmlformats.org/officeDocument/2006/customXml" ds:itemID="{6A6AD0CE-C3A1-49ED-84DB-B51D7D3B27B3}">
+  <ds:schemaRefs>
+    <ds:schemaRef ds:uri="http://schemas.microsoft.com/sharepoint/v3/contenttype/forms"/>
   </ds:schemaRefs>
 </ds:datastoreItem>
 </file>

--- a/DATA ACQUISITION AND WRANGLING PPT.pptx
+++ b/DATA ACQUISITION AND WRANGLING PPT.pptx
@@ -4933,21 +4933,7 @@
                 <a:latin typeface="Arial" panose="020B0604020202020204" pitchFamily="34" charset="0"/>
                 <a:ea typeface="Arial" panose="020B0604020202020204" pitchFamily="34" charset="0"/>
               </a:rPr>
-              <a:t> and it shows that almost all the columns are normally distributed and we can also see the comparatively the skewness is reduced after removing the outliers.  Below are the screenshots of skewness calculated before and after removal </a:t>
-            </a:r>
-            <a:r>
-              <a:rPr lang="en-IN" dirty="0" err="1">
-                <a:latin typeface="Arial" panose="020B0604020202020204" pitchFamily="34" charset="0"/>
-                <a:ea typeface="Arial" panose="020B0604020202020204" pitchFamily="34" charset="0"/>
-              </a:rPr>
-              <a:t>ofoutliers</a:t>
-            </a:r>
-            <a:r>
-              <a:rPr lang="en-IN" dirty="0">
-                <a:latin typeface="Arial" panose="020B0604020202020204" pitchFamily="34" charset="0"/>
-                <a:ea typeface="Arial" panose="020B0604020202020204" pitchFamily="34" charset="0"/>
-              </a:rPr>
-              <a:t>.</a:t>
+              <a:t> and it shows that almost all the columns are normally distributed and we can also see the comparatively the skewness is reduced after removing the outliers.  Below are the screenshots of skewness calculated before and after removal of outliers.</a:t>
             </a:r>
             <a:endParaRPr lang="en-IN" sz="1800" dirty="0">
               <a:effectLst/>
@@ -6274,7 +6260,7 @@
         <p:spPr>
           <a:xfrm>
             <a:off x="1315155" y="1512711"/>
-            <a:ext cx="9561689" cy="2833511"/>
+            <a:ext cx="9561689" cy="3249294"/>
           </a:xfrm>
         </p:spPr>
         <p:txBody>
@@ -6306,11 +6292,18 @@
               <a:buChar char="•"/>
             </a:pPr>
             <a:r>
+              <a:rPr lang="en-GB" b="1" dirty="0">
+                <a:latin typeface="Times New Roman" panose="02020603050405020304" pitchFamily="18" charset="0"/>
+                <a:ea typeface="Arial" panose="020B0604020202020204" pitchFamily="34" charset="0"/>
+              </a:rPr>
+              <a:t>LOADING THE DATASETS </a:t>
+            </a:r>
+            <a:r>
               <a:rPr lang="en-GB" dirty="0">
                 <a:latin typeface="Times New Roman" panose="02020603050405020304" pitchFamily="18" charset="0"/>
                 <a:ea typeface="Arial" panose="020B0604020202020204" pitchFamily="34" charset="0"/>
               </a:rPr>
-              <a:t>LOADING THE DATASETS (i.e.,  Dataset_1, Dataset_2 and Dataset_3) </a:t>
+              <a:t>(i.e.,  Dataset_1, Dataset_2 and Dataset_3) </a:t>
             </a:r>
           </a:p>
           <a:p>
@@ -6329,11 +6322,18 @@
               <a:buChar char="•"/>
             </a:pPr>
             <a:r>
+              <a:rPr lang="en-GB" b="1" dirty="0">
+                <a:latin typeface="Times New Roman" panose="02020603050405020304" pitchFamily="18" charset="0"/>
+                <a:ea typeface="Arial" panose="020B0604020202020204" pitchFamily="34" charset="0"/>
+              </a:rPr>
+              <a:t>LOADING THE LIBRARIES:</a:t>
+            </a:r>
+            <a:r>
               <a:rPr lang="en-GB" dirty="0">
                 <a:latin typeface="Times New Roman" panose="02020603050405020304" pitchFamily="18" charset="0"/>
                 <a:ea typeface="Arial" panose="020B0604020202020204" pitchFamily="34" charset="0"/>
               </a:rPr>
-              <a:t>LOADING THE LIBRARIES: Include pandas, </a:t>
+              <a:t> Include pandas, </a:t>
             </a:r>
             <a:r>
               <a:rPr lang="en-GB" dirty="0" err="1">
@@ -6391,11 +6391,18 @@
               <a:buChar char="•"/>
             </a:pPr>
             <a:r>
+              <a:rPr lang="en-GB" b="1" dirty="0">
+                <a:latin typeface="Times New Roman" panose="02020603050405020304" pitchFamily="18" charset="0"/>
+                <a:ea typeface="Arial" panose="020B0604020202020204" pitchFamily="34" charset="0"/>
+              </a:rPr>
+              <a:t>TECHNICAL SKILLS INVOLVED:</a:t>
+            </a:r>
+            <a:r>
               <a:rPr lang="en-GB" dirty="0">
                 <a:latin typeface="Times New Roman" panose="02020603050405020304" pitchFamily="18" charset="0"/>
                 <a:ea typeface="Arial" panose="020B0604020202020204" pitchFamily="34" charset="0"/>
               </a:rPr>
-              <a:t>TECHNICAL SKILLS INVOLVED:  Data Acquisition and Data Wrangling of the dataset_1, dataset_2 and dataset_3.  Merging of the dataset_1 and dataset_2 and working on central tendency.  Concatenating the merged dataset 1 and 2 with dataset_3</a:t>
+              <a:t>  Data Acquisition and Data Wrangling of the dataset_1, dataset_2 and dataset_3.  Merging of the dataset_1 and dataset_2 and working on central tendency.  Concatenating the merged dataset 1 and 2 with dataset_3</a:t>
             </a:r>
           </a:p>
           <a:p>
@@ -6418,7 +6425,7 @@
                 <a:latin typeface="Times New Roman" panose="02020603050405020304" pitchFamily="18" charset="0"/>
                 <a:ea typeface="Arial" panose="020B0604020202020204" pitchFamily="34" charset="0"/>
               </a:rPr>
-              <a:t>PLATFORM:  Codes are executed and run in </a:t>
+              <a:t>Codes are executed and run in </a:t>
             </a:r>
             <a:r>
               <a:rPr lang="en-GB" dirty="0" err="1">
@@ -6440,6 +6447,13 @@
               <a:buFont typeface="Arial" panose="020B0604020202020204" pitchFamily="34" charset="0"/>
               <a:buChar char="•"/>
             </a:pPr>
+            <a:r>
+              <a:rPr lang="en-GB" b="1" dirty="0">
+                <a:latin typeface="Times New Roman" panose="02020603050405020304" pitchFamily="18" charset="0"/>
+                <a:ea typeface="Arial" panose="020B0604020202020204" pitchFamily="34" charset="0"/>
+              </a:rPr>
+              <a:t>PLATFORM:</a:t>
+            </a:r>
             <a:endParaRPr lang="en-GB" dirty="0">
               <a:latin typeface="Times New Roman" panose="02020603050405020304" pitchFamily="18" charset="0"/>
               <a:ea typeface="Arial" panose="020B0604020202020204" pitchFamily="34" charset="0"/>
@@ -6589,11 +6603,18 @@
               <a:buChar char="•"/>
             </a:pPr>
             <a:r>
+              <a:rPr lang="en-GB" b="1" dirty="0">
+                <a:latin typeface="Times New Roman" panose="02020603050405020304" pitchFamily="18" charset="0"/>
+                <a:ea typeface="Arial" panose="020B0604020202020204" pitchFamily="34" charset="0"/>
+              </a:rPr>
+              <a:t>DATA ACQUISITION</a:t>
+            </a:r>
+            <a:r>
               <a:rPr lang="en-GB" dirty="0">
                 <a:latin typeface="Times New Roman" panose="02020603050405020304" pitchFamily="18" charset="0"/>
                 <a:ea typeface="Arial" panose="020B0604020202020204" pitchFamily="34" charset="0"/>
               </a:rPr>
-              <a:t>DATA ACQUISITION:  Identify and obtain access to the data within your sources.</a:t>
+              <a:t>:  Identify and obtain access to the data within your sources.</a:t>
             </a:r>
           </a:p>
           <a:p>
@@ -6612,11 +6633,18 @@
               <a:buChar char="•"/>
             </a:pPr>
             <a:r>
+              <a:rPr lang="en-GB" b="1" dirty="0">
+                <a:latin typeface="Times New Roman" panose="02020603050405020304" pitchFamily="18" charset="0"/>
+                <a:ea typeface="Arial" panose="020B0604020202020204" pitchFamily="34" charset="0"/>
+              </a:rPr>
+              <a:t>DATA WRANGLING</a:t>
+            </a:r>
+            <a:r>
               <a:rPr lang="en-GB" dirty="0">
                 <a:latin typeface="Times New Roman" panose="02020603050405020304" pitchFamily="18" charset="0"/>
                 <a:ea typeface="Arial" panose="020B0604020202020204" pitchFamily="34" charset="0"/>
               </a:rPr>
-              <a:t>DATA WRANGLING:  Data wrangling deals with the below functionalities:</a:t>
+              <a:t>:  Data wrangling deals with the below functionalities:</a:t>
             </a:r>
           </a:p>
           <a:p>
@@ -6632,11 +6660,18 @@
               <a:buAutoNum type="arabicPeriod"/>
             </a:pPr>
             <a:r>
+              <a:rPr lang="en-GB" sz="1800" b="1" dirty="0">
+                <a:latin typeface="Times New Roman" panose="02020603050405020304" pitchFamily="18" charset="0"/>
+                <a:ea typeface="Arial" panose="020B0604020202020204" pitchFamily="34" charset="0"/>
+              </a:rPr>
+              <a:t>Data exploration</a:t>
+            </a:r>
+            <a:r>
               <a:rPr lang="en-GB" sz="1800" dirty="0">
                 <a:latin typeface="Times New Roman" panose="02020603050405020304" pitchFamily="18" charset="0"/>
                 <a:ea typeface="Arial" panose="020B0604020202020204" pitchFamily="34" charset="0"/>
               </a:rPr>
-              <a:t>Data exploration:  The data is studied, </a:t>
+              <a:t>:  The data is studied, </a:t>
             </a:r>
             <a:r>
               <a:rPr lang="en-GB" sz="1800" dirty="0" err="1">
@@ -6659,11 +6694,18 @@
               <a:buAutoNum type="arabicPeriod"/>
             </a:pPr>
             <a:r>
+              <a:rPr lang="en-GB" sz="1800" b="1" dirty="0">
+                <a:latin typeface="Times New Roman" panose="02020603050405020304" pitchFamily="18" charset="0"/>
+                <a:ea typeface="Arial" panose="020B0604020202020204" pitchFamily="34" charset="0"/>
+              </a:rPr>
+              <a:t>Dealing with missing values</a:t>
+            </a:r>
+            <a:r>
               <a:rPr lang="en-GB" sz="1800" dirty="0">
                 <a:latin typeface="Times New Roman" panose="02020603050405020304" pitchFamily="18" charset="0"/>
                 <a:ea typeface="Arial" panose="020B0604020202020204" pitchFamily="34" charset="0"/>
               </a:rPr>
-              <a:t>Dealing with missing values:  Most of the datasets having a vast amount of data contain missing values of </a:t>
+              <a:t>:  Most of the datasets having a vast amount of data contain missing values of </a:t>
             </a:r>
             <a:r>
               <a:rPr lang="en-GB" sz="1800" dirty="0" err="1">
@@ -6700,11 +6742,18 @@
               <a:buAutoNum type="arabicPeriod"/>
             </a:pPr>
             <a:r>
+              <a:rPr lang="en-GB" sz="1800" b="1" dirty="0">
+                <a:latin typeface="Times New Roman" panose="02020603050405020304" pitchFamily="18" charset="0"/>
+                <a:ea typeface="Arial" panose="020B0604020202020204" pitchFamily="34" charset="0"/>
+              </a:rPr>
+              <a:t>Reshaping data</a:t>
+            </a:r>
+            <a:r>
               <a:rPr lang="en-GB" sz="1800" dirty="0">
                 <a:latin typeface="Times New Roman" panose="02020603050405020304" pitchFamily="18" charset="0"/>
                 <a:ea typeface="Arial" panose="020B0604020202020204" pitchFamily="34" charset="0"/>
               </a:rPr>
-              <a:t>Reshaping data:  In this process, data is manipulated according to the requirements, where new data can be added or pre-existing data can be modified.</a:t>
+              <a:t>:  In this process, data is manipulated according to the requirements, where new data can be added or pre-existing data can be modified.</a:t>
             </a:r>
           </a:p>
           <a:p>
@@ -6713,11 +6762,18 @@
               <a:buAutoNum type="arabicPeriod"/>
             </a:pPr>
             <a:r>
+              <a:rPr lang="en-GB" sz="1800" b="1" dirty="0">
+                <a:latin typeface="Times New Roman" panose="02020603050405020304" pitchFamily="18" charset="0"/>
+                <a:ea typeface="Arial" panose="020B0604020202020204" pitchFamily="34" charset="0"/>
+              </a:rPr>
+              <a:t>Filtering data</a:t>
+            </a:r>
+            <a:r>
               <a:rPr lang="en-GB" sz="1800" dirty="0">
                 <a:latin typeface="Times New Roman" panose="02020603050405020304" pitchFamily="18" charset="0"/>
                 <a:ea typeface="Arial" panose="020B0604020202020204" pitchFamily="34" charset="0"/>
               </a:rPr>
-              <a:t>Filtering data:  Sometimes datasets are comprised of unwanted rows and columns which are required to be removed or filtered.</a:t>
+              <a:t>:  Sometimes datasets are comprised of unwanted rows and columns which are required to be removed or filtered.</a:t>
             </a:r>
           </a:p>
           <a:p>
@@ -6726,11 +6782,18 @@
               <a:buAutoNum type="arabicPeriod"/>
             </a:pPr>
             <a:r>
+              <a:rPr lang="en-GB" sz="1800" b="1" dirty="0">
+                <a:latin typeface="Times New Roman" panose="02020603050405020304" pitchFamily="18" charset="0"/>
+                <a:ea typeface="Arial" panose="020B0604020202020204" pitchFamily="34" charset="0"/>
+              </a:rPr>
+              <a:t>Other</a:t>
+            </a:r>
+            <a:r>
               <a:rPr lang="en-GB" sz="1800" dirty="0">
                 <a:latin typeface="Times New Roman" panose="02020603050405020304" pitchFamily="18" charset="0"/>
                 <a:ea typeface="Arial" panose="020B0604020202020204" pitchFamily="34" charset="0"/>
               </a:rPr>
-              <a:t>Other:  After dealing with the raw dataset with the above functionalities we get an efficient dataset as per our requirements and then it can used for a required purpose like data analysing, machine learning, data visualisation, model training, etc.</a:t>
+              <a:t>:  After dealing with the raw dataset with the above functionalities we get an efficient dataset as per our requirements and then it can used for a required purpose like data analysing, machine learning, data visualisation, model training, etc.</a:t>
             </a:r>
           </a:p>
           <a:p>
@@ -6894,16 +6957,28 @@
               <a:buChar char="•"/>
             </a:pPr>
             <a:r>
+              <a:rPr lang="en-US" b="1" dirty="0"/>
+              <a:t>Pandas</a:t>
+            </a:r>
+            <a:r>
               <a:rPr lang="en-US" dirty="0"/>
-              <a:t>Pandas is most commonly used for data wrangling and data manipulation purposes.  </a:t>
-            </a:r>
-            <a:r>
-              <a:rPr lang="en-US" dirty="0" err="1"/>
+              <a:t> is most commonly used for data wrangling and data manipulation purposes.  </a:t>
+            </a:r>
+            <a:r>
+              <a:rPr lang="en-US" b="1" dirty="0" err="1"/>
               <a:t>Numpy</a:t>
             </a:r>
             <a:r>
               <a:rPr lang="en-US" dirty="0"/>
-              <a:t> is primarily used to create arrays or matrices that can be applied in Machine Learning models.  Matplotlib is a graph plotting library in python that serves as a visualization utility. Seaborn is a library for making statistical graphics in Python.</a:t>
+              <a:t> is primarily used to create arrays or matrices that can be applied in Machine Learning models.  </a:t>
+            </a:r>
+            <a:r>
+              <a:rPr lang="en-US" b="1" dirty="0"/>
+              <a:t>Matplotlib</a:t>
+            </a:r>
+            <a:r>
+              <a:rPr lang="en-US" dirty="0"/>
+              <a:t> is a graph plotting library in python that serves as a visualization utility. Seaborn is a library for making statistical graphics in Python.</a:t>
             </a:r>
           </a:p>
           <a:p>
@@ -6917,7 +6992,23 @@
             </a:pPr>
             <a:r>
               <a:rPr lang="en-US" dirty="0"/>
-              <a:t>Loading/reading the first dataset that is dataset_1 from the local data source. Data wrangling of dataset_1 is done like checking the dimensions of the dataset, identifying unique values, checking for missing values and treating them, checking the datatype summary etc.</a:t>
+              <a:t>Loading/reading the first dataset that is </a:t>
+            </a:r>
+            <a:r>
+              <a:rPr lang="en-US" b="1" dirty="0"/>
+              <a:t>dataset_1</a:t>
+            </a:r>
+            <a:r>
+              <a:rPr lang="en-US" dirty="0"/>
+              <a:t> from the local data source. Data wrangling of </a:t>
+            </a:r>
+            <a:r>
+              <a:rPr lang="en-US" b="1" dirty="0"/>
+              <a:t>dataset_1</a:t>
+            </a:r>
+            <a:r>
+              <a:rPr lang="en-US" dirty="0"/>
+              <a:t> is done like checking the dimensions of the dataset, identifying unique values, checking for missing values and treating them, checking the datatype summary etc.</a:t>
             </a:r>
           </a:p>
           <a:p>
@@ -6934,7 +7025,23 @@
             </a:pPr>
             <a:r>
               <a:rPr lang="en-US" dirty="0"/>
-              <a:t>Loading/reading the second dataset that is dataset_2 and doing the data wrangling of dataset_2 like checking the dimensions of the dataset, identifying unique values, checking for missing values and treating them, checking the datatype summary etc.</a:t>
+              <a:t>Loading/reading the second dataset that is </a:t>
+            </a:r>
+            <a:r>
+              <a:rPr lang="en-US" b="1" dirty="0"/>
+              <a:t>dataset_2 </a:t>
+            </a:r>
+            <a:r>
+              <a:rPr lang="en-US" dirty="0"/>
+              <a:t>and doing the data wrangling of </a:t>
+            </a:r>
+            <a:r>
+              <a:rPr lang="en-US" b="1" dirty="0"/>
+              <a:t>dataset_2</a:t>
+            </a:r>
+            <a:r>
+              <a:rPr lang="en-US" dirty="0"/>
+              <a:t> like checking the dimensions of the dataset, identifying unique values, checking for missing values and treating them, checking the datatype summary etc.</a:t>
             </a:r>
           </a:p>
           <a:p>
@@ -6951,7 +7058,15 @@
             </a:pPr>
             <a:r>
               <a:rPr lang="en-US" dirty="0"/>
-              <a:t>Merging of dataset_1 and dataset_2 and naming it as ‘df1’ and doing some data wrangling of the merged dataset as well and saving the merged file in the excel form in our local folder.</a:t>
+              <a:t>Merging of dataset_1 and dataset_2 and naming it as ‘</a:t>
+            </a:r>
+            <a:r>
+              <a:rPr lang="en-US" b="1" dirty="0"/>
+              <a:t>df1</a:t>
+            </a:r>
+            <a:r>
+              <a:rPr lang="en-US" dirty="0"/>
+              <a:t>’ and doing some data wrangling of the merged dataset as well and saving the merged file in the excel form in our local folder.</a:t>
             </a:r>
           </a:p>
           <a:p>
@@ -7082,21 +7197,13 @@
         <p:spPr>
           <a:xfrm>
             <a:off x="214489" y="699911"/>
-            <a:ext cx="11751733" cy="5035871"/>
+            <a:ext cx="11751733" cy="5344629"/>
           </a:xfrm>
         </p:spPr>
         <p:txBody>
           <a:bodyPr/>
           <a:lstStyle/>
           <a:p>
-            <a:pPr algn="l"/>
-            <a:endParaRPr lang="en-IN" sz="1800" dirty="0">
-              <a:effectLst/>
-              <a:latin typeface="Arial" panose="020B0604020202020204" pitchFamily="34" charset="0"/>
-              <a:ea typeface="Arial" panose="020B0604020202020204" pitchFamily="34" charset="0"/>
-            </a:endParaRPr>
-          </a:p>
-          <a:p>
             <a:pPr marL="285750" indent="-285750" algn="l">
               <a:buFont typeface="Arial" panose="020B0604020202020204" pitchFamily="34" charset="0"/>
               <a:buChar char="•"/>
@@ -7119,8 +7226,28 @@
               <a:buChar char="•"/>
             </a:pPr>
             <a:r>
+              <a:rPr lang="en-US" b="1" dirty="0"/>
+              <a:t>Concatenating</a:t>
+            </a:r>
+            <a:r>
               <a:rPr lang="en-US" dirty="0"/>
-              <a:t>Concatenating merged dataset_1 and dataset_2 (i.e., df1) with dataset_3 which is named as df2 and doing some data wrangling of the merged dataset as well and saving the concatenated file in the excel form in our local folder.</a:t>
+              <a:t> merged </a:t>
+            </a:r>
+            <a:r>
+              <a:rPr lang="en-US" b="1" dirty="0"/>
+              <a:t>dataset_1 and dataset_2 (i.e., df1) with dataset_3</a:t>
+            </a:r>
+            <a:r>
+              <a:rPr lang="en-US" dirty="0"/>
+              <a:t> which is named as ‘</a:t>
+            </a:r>
+            <a:r>
+              <a:rPr lang="en-US" b="1" dirty="0"/>
+              <a:t>df2</a:t>
+            </a:r>
+            <a:r>
+              <a:rPr lang="en-US" dirty="0"/>
+              <a:t>’ and doing some data wrangling of the merged dataset as well and saving the concatenated file in the excel form in our local folder.</a:t>
             </a:r>
           </a:p>
           <a:p>
@@ -7137,6 +7264,64 @@
             </a:pPr>
             <a:r>
               <a:rPr lang="en-US" dirty="0"/>
+              <a:t>After concatenating the 3 datasets the date column named ‘</a:t>
+            </a:r>
+            <a:r>
+              <a:rPr lang="en-US" b="1" dirty="0" err="1"/>
+              <a:t>dteday</a:t>
+            </a:r>
+            <a:r>
+              <a:rPr lang="en-US" dirty="0"/>
+              <a:t>’ was not in proper format, so converted the date datatype to datetime64[ns].</a:t>
+            </a:r>
+          </a:p>
+          <a:p>
+            <a:pPr marL="285750" indent="-285750" algn="l">
+              <a:buFont typeface="Arial" panose="020B0604020202020204" pitchFamily="34" charset="0"/>
+              <a:buChar char="•"/>
+            </a:pPr>
+            <a:endParaRPr lang="en-US" dirty="0"/>
+          </a:p>
+          <a:p>
+            <a:pPr marL="285750" indent="-285750" algn="l">
+              <a:buFont typeface="Arial" panose="020B0604020202020204" pitchFamily="34" charset="0"/>
+              <a:buChar char="•"/>
+            </a:pPr>
+            <a:r>
+              <a:rPr lang="en-US" dirty="0"/>
+              <a:t>By checking the unique values of the columns, it was found out that the columns ‘</a:t>
+            </a:r>
+            <a:r>
+              <a:rPr lang="en-US" b="1" dirty="0"/>
+              <a:t>season</a:t>
+            </a:r>
+            <a:r>
+              <a:rPr lang="en-US" dirty="0"/>
+              <a:t>’ and ‘</a:t>
+            </a:r>
+            <a:r>
+              <a:rPr lang="en-US" b="1" dirty="0" err="1"/>
+              <a:t>yr</a:t>
+            </a:r>
+            <a:r>
+              <a:rPr lang="en-US" dirty="0"/>
+              <a:t>’ had single unique value. So, these 2 columns were dropped as it will not hinder out prediction or analysis.</a:t>
+            </a:r>
+          </a:p>
+          <a:p>
+            <a:pPr marL="285750" indent="-285750" algn="l">
+              <a:buFont typeface="Arial" panose="020B0604020202020204" pitchFamily="34" charset="0"/>
+              <a:buChar char="•"/>
+            </a:pPr>
+            <a:endParaRPr lang="en-US" dirty="0"/>
+          </a:p>
+          <a:p>
+            <a:pPr marL="285750" indent="-285750" algn="l">
+              <a:buFont typeface="Arial" panose="020B0604020202020204" pitchFamily="34" charset="0"/>
+              <a:buChar char="•"/>
+            </a:pPr>
+            <a:r>
+              <a:rPr lang="en-US" dirty="0"/>
               <a:t>Detecting and removing the outliers by trying out different methods for some columns of the concatenated dataset df2 like:</a:t>
             </a:r>
           </a:p>
@@ -7146,8 +7331,20 @@
               <a:buAutoNum type="arabicPeriod"/>
             </a:pPr>
             <a:r>
+              <a:rPr lang="en-US" sz="1800" b="1" dirty="0"/>
+              <a:t>Z-Score</a:t>
+            </a:r>
+            <a:r>
               <a:rPr lang="en-US" sz="1800" dirty="0"/>
-              <a:t>Z-Score method for ‘temp’ column of the dataset df2.</a:t>
+              <a:t> method for ‘</a:t>
+            </a:r>
+            <a:r>
+              <a:rPr lang="en-US" sz="1800" b="1" dirty="0"/>
+              <a:t>temp</a:t>
+            </a:r>
+            <a:r>
+              <a:rPr lang="en-US" sz="1800" dirty="0"/>
+              <a:t>’ column of the dataset df2.</a:t>
             </a:r>
           </a:p>
           <a:p>
@@ -7156,11 +7353,15 @@
               <a:buAutoNum type="arabicPeriod"/>
             </a:pPr>
             <a:r>
+              <a:rPr lang="en-US" sz="1800" b="1" dirty="0"/>
+              <a:t>IQ</a:t>
+            </a:r>
+            <a:r>
               <a:rPr lang="en-US" sz="1800" dirty="0"/>
-              <a:t>IQ that is interquartile range method for ‘</a:t>
-            </a:r>
-            <a:r>
-              <a:rPr lang="en-US" sz="1800" dirty="0" err="1"/>
+              <a:t> that is interquartile range method for ‘</a:t>
+            </a:r>
+            <a:r>
+              <a:rPr lang="en-US" sz="1800" b="1" dirty="0" err="1"/>
               <a:t>atemp</a:t>
             </a:r>
             <a:r>
@@ -7174,32 +7375,30 @@
               <a:buAutoNum type="arabicPeriod"/>
             </a:pPr>
             <a:r>
+              <a:rPr lang="en-US" sz="1800" b="1" dirty="0"/>
+              <a:t>Boxplot</a:t>
+            </a:r>
+            <a:r>
               <a:rPr lang="en-US" sz="1800" dirty="0"/>
-              <a:t>Boxplot method for the ‘windspeed’ column of the dataset df2.</a:t>
-            </a:r>
-          </a:p>
-          <a:p>
-            <a:pPr marL="285750" indent="-285750" algn="l">
-              <a:buFont typeface="Arial" panose="020B0604020202020204" pitchFamily="34" charset="0"/>
-              <a:buChar char="•"/>
-            </a:pPr>
-            <a:endParaRPr lang="en-US" dirty="0"/>
-          </a:p>
-          <a:p>
-            <a:pPr marL="285750" indent="-285750" algn="l">
-              <a:buFont typeface="Arial" panose="020B0604020202020204" pitchFamily="34" charset="0"/>
-              <a:buChar char="•"/>
-            </a:pPr>
-            <a:r>
-              <a:rPr lang="en-US" dirty="0"/>
-              <a:t>These above methods were used just to check how the different methods can be used to detect and remove the outliers in a column.</a:t>
-            </a:r>
-          </a:p>
-          <a:p>
-            <a:pPr marL="285750" indent="-285750" algn="l">
-              <a:buFont typeface="Arial" panose="020B0604020202020204" pitchFamily="34" charset="0"/>
-              <a:buChar char="•"/>
-            </a:pPr>
+              <a:t> method for the ‘</a:t>
+            </a:r>
+            <a:r>
+              <a:rPr lang="en-US" sz="1800" b="1" dirty="0"/>
+              <a:t>windspeed</a:t>
+            </a:r>
+            <a:r>
+              <a:rPr lang="en-US" sz="1800" dirty="0"/>
+              <a:t>’ column of the dataset df2.</a:t>
+            </a:r>
+          </a:p>
+          <a:p>
+            <a:pPr lvl="1" indent="0">
+              <a:buNone/>
+            </a:pPr>
+            <a:endParaRPr lang="en-US" sz="1800" dirty="0"/>
+          </a:p>
+          <a:p>
+            <a:pPr algn="l"/>
             <a:endParaRPr lang="en-US" dirty="0"/>
           </a:p>
           <a:p>
@@ -7336,29 +7535,21 @@
         </p:nvSpPr>
         <p:spPr>
           <a:xfrm>
-            <a:off x="214489" y="1235034"/>
-            <a:ext cx="11751733" cy="4500748"/>
+            <a:off x="214489" y="795647"/>
+            <a:ext cx="11751733" cy="5070763"/>
           </a:xfrm>
         </p:spPr>
         <p:txBody>
           <a:bodyPr/>
           <a:lstStyle/>
           <a:p>
-            <a:pPr algn="l"/>
-            <a:endParaRPr lang="en-IN" sz="1800" dirty="0">
-              <a:effectLst/>
-              <a:latin typeface="Arial" panose="020B0604020202020204" pitchFamily="34" charset="0"/>
-              <a:ea typeface="Arial" panose="020B0604020202020204" pitchFamily="34" charset="0"/>
-            </a:endParaRPr>
-          </a:p>
-          <a:p>
             <a:pPr marL="285750" indent="-285750" algn="l">
               <a:buFont typeface="Arial" panose="020B0604020202020204" pitchFamily="34" charset="0"/>
               <a:buChar char="•"/>
             </a:pPr>
             <a:r>
               <a:rPr lang="en-US" dirty="0"/>
-              <a:t>Now the actual Data Cleaning starts by first checking in which columns of the dataset the outliers are present by plotting the boxplots for each and every column.</a:t>
+              <a:t>After trying out all the three methods (Z-score, IQ, Boxplots) to check how the different methods can be used to detect and remove the outliers in a column.</a:t>
             </a:r>
           </a:p>
           <a:p>
@@ -7375,15 +7566,15 @@
             </a:pPr>
             <a:r>
               <a:rPr lang="en-US" dirty="0"/>
-              <a:t>After detecting the in which columns the outliers are actually present, then comes removing outliers of all the columns at a time by writing a python code and getting a cleaned </a:t>
-            </a:r>
-            <a:r>
-              <a:rPr lang="en-US" dirty="0" err="1"/>
-              <a:t>dataframe</a:t>
+              <a:t>Now the actual </a:t>
+            </a:r>
+            <a:r>
+              <a:rPr lang="en-US" b="1" dirty="0"/>
+              <a:t>Data Cleaning</a:t>
             </a:r>
             <a:r>
               <a:rPr lang="en-US" dirty="0"/>
-              <a:t> free of outliers.</a:t>
+              <a:t> starts by first checking in which columns of the dataset the outliers are present by plotting the boxplots for each and every column.</a:t>
             </a:r>
           </a:p>
           <a:p>
@@ -7394,13 +7585,46 @@
             <a:endParaRPr lang="en-US" dirty="0"/>
           </a:p>
           <a:p>
+            <a:pPr marL="285750" indent="-285750" algn="l">
+              <a:buFont typeface="Arial" panose="020B0604020202020204" pitchFamily="34" charset="0"/>
+              <a:buChar char="•"/>
+            </a:pPr>
+            <a:r>
+              <a:rPr lang="en-US" dirty="0"/>
+              <a:t>After detecting the in which columns the outliers are actually present, then comes removing outliers of all the columns at a time by writing a python code and getting a cleaned </a:t>
+            </a:r>
+            <a:r>
+              <a:rPr lang="en-US" dirty="0" err="1"/>
+              <a:t>dataframe</a:t>
+            </a:r>
+            <a:r>
+              <a:rPr lang="en-US" dirty="0"/>
+              <a:t> free of outliers.</a:t>
+            </a:r>
+          </a:p>
+          <a:p>
+            <a:pPr marL="285750" indent="-285750" algn="l">
+              <a:buFont typeface="Arial" panose="020B0604020202020204" pitchFamily="34" charset="0"/>
+              <a:buChar char="•"/>
+            </a:pPr>
+            <a:endParaRPr lang="en-US" dirty="0"/>
+          </a:p>
+          <a:p>
             <a:pPr marL="1028700" lvl="1" indent="-342900">
               <a:buFont typeface="+mj-lt"/>
               <a:buAutoNum type="arabicPeriod"/>
             </a:pPr>
             <a:r>
               <a:rPr lang="en-US" sz="1800" dirty="0"/>
-              <a:t>The code involves first defining  a function called “outliers” which returns a list of index of outliers, this is done by Interquartile range method by calculating the upper and lower bounds.</a:t>
+              <a:t>The code involves first defining  a function called “</a:t>
+            </a:r>
+            <a:r>
+              <a:rPr lang="en-US" sz="1800" b="1" dirty="0"/>
+              <a:t>outliers</a:t>
+            </a:r>
+            <a:r>
+              <a:rPr lang="en-US" sz="1800" dirty="0"/>
+              <a:t>” which returns a list of index of outliers, this is done by Interquartile range method by calculating the upper and lower bounds.</a:t>
             </a:r>
           </a:p>
           <a:p>
@@ -7410,15 +7634,15 @@
             </a:pPr>
             <a:r>
               <a:rPr lang="en-US" sz="1800" dirty="0"/>
-              <a:t>Creating an empty list that is the </a:t>
-            </a:r>
-            <a:r>
-              <a:rPr lang="en-US" sz="1800" dirty="0" err="1"/>
+              <a:t>Creating an empty list that is the “</a:t>
+            </a:r>
+            <a:r>
+              <a:rPr lang="en-US" sz="1800" b="1" dirty="0" err="1"/>
               <a:t>index_list</a:t>
             </a:r>
             <a:r>
               <a:rPr lang="en-US" sz="1800" dirty="0"/>
-              <a:t> to store the output indices from multiple rows by specifying the column names in which the outliers were present which were detected using boxplot.</a:t>
+              <a:t>” to store the output indices from multiple rows by specifying the column names in which the outliers were present which were detected using boxplot.</a:t>
             </a:r>
           </a:p>
           <a:p>
@@ -7454,7 +7678,15 @@
             </a:r>
             <a:r>
               <a:rPr lang="en-US" sz="1800" dirty="0"/>
-              <a:t> in which the outliers have been removed is named as ‘df2_cleaned.’</a:t>
+              <a:t> in which the outliers have been removed is named as ‘</a:t>
+            </a:r>
+            <a:r>
+              <a:rPr lang="en-US" sz="1800" b="1" dirty="0"/>
+              <a:t>df2_cleaned</a:t>
+            </a:r>
+            <a:r>
+              <a:rPr lang="en-US" sz="1800" dirty="0"/>
+              <a:t>.’</a:t>
             </a:r>
           </a:p>
           <a:p>
@@ -7472,7 +7704,15 @@
             </a:r>
             <a:r>
               <a:rPr lang="en-US" sz="1800" dirty="0"/>
-              <a:t> that is df2_cleaned to the local folder after checking whether outliers are removed through comparison boxplot.</a:t>
+              <a:t> that is </a:t>
+            </a:r>
+            <a:r>
+              <a:rPr lang="en-US" sz="1800" b="1" dirty="0"/>
+              <a:t>‘df2_cleaned’</a:t>
+            </a:r>
+            <a:r>
+              <a:rPr lang="en-US" sz="1800" dirty="0"/>
+              <a:t> to the local folder after checking whether outliers are removed through comparison boxplot.</a:t>
             </a:r>
           </a:p>
           <a:p>
@@ -8448,6 +8688,15 @@
 </file>
 
 <file path=customXml/item1.xml><?xml version="1.0" encoding="utf-8"?>
+<?mso-contentType ?>
+<FormTemplates xmlns="http://schemas.microsoft.com/sharepoint/v3/contenttype/forms">
+  <Display>DocumentLibraryForm</Display>
+  <Edit>DocumentLibraryForm</Edit>
+  <New>DocumentLibraryForm</New>
+</FormTemplates>
+</file>
+
+<file path=customXml/item2.xml><?xml version="1.0" encoding="utf-8"?>
 <ct:contentTypeSchema xmlns:ct="http://schemas.microsoft.com/office/2006/metadata/contentType" xmlns:ma="http://schemas.microsoft.com/office/2006/metadata/properties/metaAttributes" ct:_="" ma:_="" ma:contentTypeName="Document" ma:contentTypeID="0x01010079F111ED35F8CC479449609E8A0923A6" ma:contentTypeVersion="24" ma:contentTypeDescription="Create a new document." ma:contentTypeScope="" ma:versionID="2d714a3296df14eba7a100bb665443ca">
   <xsd:schema xmlns:xsd="http://www.w3.org/2001/XMLSchema" xmlns:xs="http://www.w3.org/2001/XMLSchema" xmlns:p="http://schemas.microsoft.com/office/2006/metadata/properties" xmlns:ns1="http://schemas.microsoft.com/sharepoint/v3" xmlns:ns2="71af3243-3dd4-4a8d-8c0d-dd76da1f02a5" xmlns:ns3="16c05727-aa75-4e4a-9b5f-8a80a1165891" xmlns:ns4="230e9df3-be65-4c73-a93b-d1236ebd677e" targetNamespace="http://schemas.microsoft.com/office/2006/metadata/properties" ma:root="true" ma:fieldsID="49549bf45bfbbfb6cffed527380e77e1" ns1:_="" ns2:_="" ns3:_="" ns4:_="">
     <xsd:import namespace="http://schemas.microsoft.com/sharepoint/v3"/>
@@ -8735,15 +8984,6 @@
 </ct:contentTypeSchema>
 </file>
 
-<file path=customXml/item2.xml><?xml version="1.0" encoding="utf-8"?>
-<?mso-contentType ?>
-<FormTemplates xmlns="http://schemas.microsoft.com/sharepoint/v3/contenttype/forms">
-  <Display>DocumentLibraryForm</Display>
-  <Edit>DocumentLibraryForm</Edit>
-  <New>DocumentLibraryForm</New>
-</FormTemplates>
-</file>
-
 <file path=customXml/item3.xml><?xml version="1.0" encoding="utf-8"?>
 <p:properties xmlns:p="http://schemas.microsoft.com/office/2006/metadata/properties" xmlns:xsi="http://www.w3.org/2001/XMLSchema-instance" xmlns:pc="http://schemas.microsoft.com/office/infopath/2007/PartnerControls">
   <documentManagement>
@@ -8765,6 +9005,14 @@
 </file>
 
 <file path=customXml/itemProps1.xml><?xml version="1.0" encoding="utf-8"?>
+<ds:datastoreItem xmlns:ds="http://schemas.openxmlformats.org/officeDocument/2006/customXml" ds:itemID="{6A6AD0CE-C3A1-49ED-84DB-B51D7D3B27B3}">
+  <ds:schemaRefs>
+    <ds:schemaRef ds:uri="http://schemas.microsoft.com/sharepoint/v3/contenttype/forms"/>
+  </ds:schemaRefs>
+</ds:datastoreItem>
+</file>
+
+<file path=customXml/itemProps2.xml><?xml version="1.0" encoding="utf-8"?>
 <ds:datastoreItem xmlns:ds="http://schemas.openxmlformats.org/officeDocument/2006/customXml" ds:itemID="{3D32A503-7E2B-48A7-A1A4-FEB996769C51}">
   <ds:schemaRefs>
     <ds:schemaRef ds:uri="http://schemas.microsoft.com/office/2006/metadata/contentType"/>
@@ -8781,14 +9029,6 @@
     <ds:schemaRef ds:uri="http://purl.org/dc/elements/1.1/"/>
     <ds:schemaRef ds:uri="http://purl.org/dc/terms/"/>
     <ds:schemaRef ds:uri="http://schemas.microsoft.com/internal/obd"/>
-  </ds:schemaRefs>
-</ds:datastoreItem>
-</file>
-
-<file path=customXml/itemProps2.xml><?xml version="1.0" encoding="utf-8"?>
-<ds:datastoreItem xmlns:ds="http://schemas.openxmlformats.org/officeDocument/2006/customXml" ds:itemID="{6A6AD0CE-C3A1-49ED-84DB-B51D7D3B27B3}">
-  <ds:schemaRefs>
-    <ds:schemaRef ds:uri="http://schemas.microsoft.com/sharepoint/v3/contenttype/forms"/>
   </ds:schemaRefs>
 </ds:datastoreItem>
 </file>
